--- a/documentation/Entwurf.pptx
+++ b/documentation/Entwurf.pptx
@@ -12,10 +12,11 @@
     <p:sldId id="261" r:id="rId6"/>
     <p:sldId id="262" r:id="rId7"/>
     <p:sldId id="265" r:id="rId8"/>
-    <p:sldId id="266" r:id="rId9"/>
-    <p:sldId id="267" r:id="rId10"/>
-    <p:sldId id="263" r:id="rId11"/>
-    <p:sldId id="264" r:id="rId12"/>
+    <p:sldId id="268" r:id="rId9"/>
+    <p:sldId id="266" r:id="rId10"/>
+    <p:sldId id="267" r:id="rId11"/>
+    <p:sldId id="263" r:id="rId12"/>
+    <p:sldId id="264" r:id="rId13"/>
   </p:sldIdLst>
   <p:sldSz cx="12192000" cy="6858000"/>
   <p:notesSz cx="6858000" cy="9144000"/>
@@ -269,7 +270,7 @@
           <a:p>
             <a:fld id="{058BB9B2-FA88-4B4F-8C2B-8BCBF0429B8E}" type="datetimeFigureOut">
               <a:rPr lang="de-DE" smtClean="0"/>
-              <a:t>17.12.2022</a:t>
+              <a:t>19.12.2022</a:t>
             </a:fld>
             <a:endParaRPr lang="de-DE"/>
           </a:p>
@@ -467,7 +468,7 @@
           <a:p>
             <a:fld id="{058BB9B2-FA88-4B4F-8C2B-8BCBF0429B8E}" type="datetimeFigureOut">
               <a:rPr lang="de-DE" smtClean="0"/>
-              <a:t>17.12.2022</a:t>
+              <a:t>19.12.2022</a:t>
             </a:fld>
             <a:endParaRPr lang="de-DE"/>
           </a:p>
@@ -675,7 +676,7 @@
           <a:p>
             <a:fld id="{058BB9B2-FA88-4B4F-8C2B-8BCBF0429B8E}" type="datetimeFigureOut">
               <a:rPr lang="de-DE" smtClean="0"/>
-              <a:t>17.12.2022</a:t>
+              <a:t>19.12.2022</a:t>
             </a:fld>
             <a:endParaRPr lang="de-DE"/>
           </a:p>
@@ -873,7 +874,7 @@
           <a:p>
             <a:fld id="{058BB9B2-FA88-4B4F-8C2B-8BCBF0429B8E}" type="datetimeFigureOut">
               <a:rPr lang="de-DE" smtClean="0"/>
-              <a:t>17.12.2022</a:t>
+              <a:t>19.12.2022</a:t>
             </a:fld>
             <a:endParaRPr lang="de-DE"/>
           </a:p>
@@ -1148,7 +1149,7 @@
           <a:p>
             <a:fld id="{058BB9B2-FA88-4B4F-8C2B-8BCBF0429B8E}" type="datetimeFigureOut">
               <a:rPr lang="de-DE" smtClean="0"/>
-              <a:t>17.12.2022</a:t>
+              <a:t>19.12.2022</a:t>
             </a:fld>
             <a:endParaRPr lang="de-DE"/>
           </a:p>
@@ -1413,7 +1414,7 @@
           <a:p>
             <a:fld id="{058BB9B2-FA88-4B4F-8C2B-8BCBF0429B8E}" type="datetimeFigureOut">
               <a:rPr lang="de-DE" smtClean="0"/>
-              <a:t>17.12.2022</a:t>
+              <a:t>19.12.2022</a:t>
             </a:fld>
             <a:endParaRPr lang="de-DE"/>
           </a:p>
@@ -1825,7 +1826,7 @@
           <a:p>
             <a:fld id="{058BB9B2-FA88-4B4F-8C2B-8BCBF0429B8E}" type="datetimeFigureOut">
               <a:rPr lang="de-DE" smtClean="0"/>
-              <a:t>17.12.2022</a:t>
+              <a:t>19.12.2022</a:t>
             </a:fld>
             <a:endParaRPr lang="de-DE"/>
           </a:p>
@@ -1966,7 +1967,7 @@
           <a:p>
             <a:fld id="{058BB9B2-FA88-4B4F-8C2B-8BCBF0429B8E}" type="datetimeFigureOut">
               <a:rPr lang="de-DE" smtClean="0"/>
-              <a:t>17.12.2022</a:t>
+              <a:t>19.12.2022</a:t>
             </a:fld>
             <a:endParaRPr lang="de-DE"/>
           </a:p>
@@ -2079,7 +2080,7 @@
           <a:p>
             <a:fld id="{058BB9B2-FA88-4B4F-8C2B-8BCBF0429B8E}" type="datetimeFigureOut">
               <a:rPr lang="de-DE" smtClean="0"/>
-              <a:t>17.12.2022</a:t>
+              <a:t>19.12.2022</a:t>
             </a:fld>
             <a:endParaRPr lang="de-DE"/>
           </a:p>
@@ -2390,7 +2391,7 @@
           <a:p>
             <a:fld id="{058BB9B2-FA88-4B4F-8C2B-8BCBF0429B8E}" type="datetimeFigureOut">
               <a:rPr lang="de-DE" smtClean="0"/>
-              <a:t>17.12.2022</a:t>
+              <a:t>19.12.2022</a:t>
             </a:fld>
             <a:endParaRPr lang="de-DE"/>
           </a:p>
@@ -2678,7 +2679,7 @@
           <a:p>
             <a:fld id="{058BB9B2-FA88-4B4F-8C2B-8BCBF0429B8E}" type="datetimeFigureOut">
               <a:rPr lang="de-DE" smtClean="0"/>
-              <a:t>17.12.2022</a:t>
+              <a:t>19.12.2022</a:t>
             </a:fld>
             <a:endParaRPr lang="de-DE"/>
           </a:p>
@@ -2919,7 +2920,7 @@
           <a:p>
             <a:fld id="{058BB9B2-FA88-4B4F-8C2B-8BCBF0429B8E}" type="datetimeFigureOut">
               <a:rPr lang="de-DE" smtClean="0"/>
-              <a:t>17.12.2022</a:t>
+              <a:t>19.12.2022</a:t>
             </a:fld>
             <a:endParaRPr lang="de-DE"/>
           </a:p>
@@ -3431,7 +3432,7 @@
           <p:cNvPr id="2" name="Titel 1">
             <a:extLst>
               <a:ext uri="{FF2B5EF4-FFF2-40B4-BE49-F238E27FC236}">
-                <a16:creationId xmlns:a16="http://schemas.microsoft.com/office/drawing/2014/main" id="{949D7F53-1F43-CE47-628E-9B9BFBA3DA81}"/>
+                <a16:creationId xmlns:a16="http://schemas.microsoft.com/office/drawing/2014/main" id="{62A5A9BE-19D0-CF35-0886-8F07C71B16C6}"/>
               </a:ext>
             </a:extLst>
           </p:cNvPr>
@@ -3449,7 +3450,7 @@
           <a:p>
             <a:r>
               <a:rPr lang="de-DE" dirty="0"/>
-              <a:t>Ist-Zustand</a:t>
+              <a:t>Laurenz Hölzl</a:t>
             </a:r>
           </a:p>
         </p:txBody>
@@ -3459,7 +3460,7 @@
           <p:cNvPr id="3" name="Inhaltsplatzhalter 2">
             <a:extLst>
               <a:ext uri="{FF2B5EF4-FFF2-40B4-BE49-F238E27FC236}">
-                <a16:creationId xmlns:a16="http://schemas.microsoft.com/office/drawing/2014/main" id="{F6FDFB7E-84EB-E65A-8B97-C971F7F29C2F}"/>
+                <a16:creationId xmlns:a16="http://schemas.microsoft.com/office/drawing/2014/main" id="{7718E23C-FCAE-369C-71E9-81F1D2862608}"/>
               </a:ext>
             </a:extLst>
           </p:cNvPr>
@@ -3475,35 +3476,14 @@
           <a:bodyPr/>
           <a:lstStyle/>
           <a:p>
-            <a:r>
-              <a:rPr lang="de-DE" dirty="0"/>
-              <a:t>PCB Fertig</a:t>
-            </a:r>
-          </a:p>
-          <a:p>
-            <a:r>
-              <a:rPr lang="de-DE" dirty="0"/>
-              <a:t>Filter Prototyp</a:t>
-            </a:r>
-          </a:p>
-          <a:p>
-            <a:r>
-              <a:rPr lang="de-DE" dirty="0"/>
-              <a:t>FFT in der Firmware</a:t>
-            </a:r>
-          </a:p>
-          <a:p>
-            <a:r>
-              <a:rPr lang="de-DE" dirty="0"/>
-              <a:t>Frequenz zu Notenumwandlung</a:t>
-            </a:r>
+            <a:endParaRPr lang="de-DE" dirty="0"/>
           </a:p>
         </p:txBody>
       </p:sp>
     </p:spTree>
     <p:extLst>
       <p:ext uri="{BB962C8B-B14F-4D97-AF65-F5344CB8AC3E}">
-        <p14:creationId xmlns:p14="http://schemas.microsoft.com/office/powerpoint/2010/main" val="3052183519"/>
+        <p14:creationId xmlns:p14="http://schemas.microsoft.com/office/powerpoint/2010/main" val="1594820230"/>
       </p:ext>
     </p:extLst>
   </p:cSld>
@@ -3535,6 +3515,116 @@
           <p:cNvPr id="2" name="Titel 1">
             <a:extLst>
               <a:ext uri="{FF2B5EF4-FFF2-40B4-BE49-F238E27FC236}">
+                <a16:creationId xmlns:a16="http://schemas.microsoft.com/office/drawing/2014/main" id="{949D7F53-1F43-CE47-628E-9B9BFBA3DA81}"/>
+              </a:ext>
+            </a:extLst>
+          </p:cNvPr>
+          <p:cNvSpPr>
+            <a:spLocks noGrp="1"/>
+          </p:cNvSpPr>
+          <p:nvPr>
+            <p:ph type="title"/>
+          </p:nvPr>
+        </p:nvSpPr>
+        <p:spPr/>
+        <p:txBody>
+          <a:bodyPr/>
+          <a:lstStyle/>
+          <a:p>
+            <a:r>
+              <a:rPr lang="de-DE" dirty="0"/>
+              <a:t>Ist-Zustand</a:t>
+            </a:r>
+          </a:p>
+        </p:txBody>
+      </p:sp>
+      <p:sp>
+        <p:nvSpPr>
+          <p:cNvPr id="3" name="Inhaltsplatzhalter 2">
+            <a:extLst>
+              <a:ext uri="{FF2B5EF4-FFF2-40B4-BE49-F238E27FC236}">
+                <a16:creationId xmlns:a16="http://schemas.microsoft.com/office/drawing/2014/main" id="{F6FDFB7E-84EB-E65A-8B97-C971F7F29C2F}"/>
+              </a:ext>
+            </a:extLst>
+          </p:cNvPr>
+          <p:cNvSpPr>
+            <a:spLocks noGrp="1"/>
+          </p:cNvSpPr>
+          <p:nvPr>
+            <p:ph idx="1"/>
+          </p:nvPr>
+        </p:nvSpPr>
+        <p:spPr/>
+        <p:txBody>
+          <a:bodyPr/>
+          <a:lstStyle/>
+          <a:p>
+            <a:r>
+              <a:rPr lang="de-DE" dirty="0"/>
+              <a:t>Platine ist Produktionsfertig</a:t>
+            </a:r>
+          </a:p>
+          <a:p>
+            <a:r>
+              <a:rPr lang="de-DE" dirty="0"/>
+              <a:t>Filter Prototyp</a:t>
+            </a:r>
+          </a:p>
+          <a:p>
+            <a:r>
+              <a:rPr lang="de-DE" dirty="0"/>
+              <a:t>FFT in der Firmware</a:t>
+            </a:r>
+          </a:p>
+          <a:p>
+            <a:r>
+              <a:rPr lang="de-DE" dirty="0"/>
+              <a:t>Frequenz zu Notenumwandlung</a:t>
+            </a:r>
+          </a:p>
+          <a:p>
+            <a:r>
+              <a:rPr lang="de-DE" dirty="0"/>
+              <a:t>MIDI am PC empfangen</a:t>
+            </a:r>
+          </a:p>
+        </p:txBody>
+      </p:sp>
+    </p:spTree>
+    <p:extLst>
+      <p:ext uri="{BB962C8B-B14F-4D97-AF65-F5344CB8AC3E}">
+        <p14:creationId xmlns:p14="http://schemas.microsoft.com/office/powerpoint/2010/main" val="3052183519"/>
+      </p:ext>
+    </p:extLst>
+  </p:cSld>
+  <p:clrMapOvr>
+    <a:masterClrMapping/>
+  </p:clrMapOvr>
+</p:sld>
+</file>
+
+<file path=ppt/slides/slide12.xml><?xml version="1.0" encoding="utf-8"?>
+<p:sld xmlns:a="http://schemas.openxmlformats.org/drawingml/2006/main" xmlns:r="http://schemas.openxmlformats.org/officeDocument/2006/relationships" xmlns:p="http://schemas.openxmlformats.org/presentationml/2006/main">
+  <p:cSld>
+    <p:spTree>
+      <p:nvGrpSpPr>
+        <p:cNvPr id="1" name=""/>
+        <p:cNvGrpSpPr/>
+        <p:nvPr/>
+      </p:nvGrpSpPr>
+      <p:grpSpPr>
+        <a:xfrm>
+          <a:off x="0" y="0"/>
+          <a:ext cx="0" cy="0"/>
+          <a:chOff x="0" y="0"/>
+          <a:chExt cx="0" cy="0"/>
+        </a:xfrm>
+      </p:grpSpPr>
+      <p:sp>
+        <p:nvSpPr>
+          <p:cNvPr id="2" name="Titel 1">
+            <a:extLst>
+              <a:ext uri="{FF2B5EF4-FFF2-40B4-BE49-F238E27FC236}">
                 <a16:creationId xmlns:a16="http://schemas.microsoft.com/office/drawing/2014/main" id="{CC404977-A62D-82C4-6CC1-DE4F4BC188ED}"/>
               </a:ext>
             </a:extLst>
@@ -3581,19 +3671,53 @@
           <a:p>
             <a:r>
               <a:rPr lang="de-DE" dirty="0"/>
-              <a:t>Einlesen des analogen Signals am ADC via SPI</a:t>
-            </a:r>
-          </a:p>
-          <a:p>
+              <a:t>Einlesen des analogen Signals</a:t>
+            </a:r>
+          </a:p>
+          <a:p>
+            <a:pPr lvl="1"/>
             <a:r>
               <a:rPr lang="de-DE" dirty="0"/>
-              <a:t>Einbindung des MIDI Protokolls</a:t>
+              <a:t>Via SPI am ADC</a:t>
+            </a:r>
+          </a:p>
+          <a:p>
+            <a:pPr lvl="1"/>
+            <a:r>
+              <a:rPr lang="de-DE" dirty="0"/>
+              <a:t>In einen DMA Buffer</a:t>
+            </a:r>
+          </a:p>
+          <a:p>
+            <a:r>
+              <a:rPr lang="de-DE" dirty="0"/>
+              <a:t>Einbindung des MIDI-Protokolls</a:t>
+            </a:r>
+          </a:p>
+          <a:p>
+            <a:pPr lvl="1"/>
+            <a:r>
+              <a:rPr lang="de-DE" dirty="0"/>
+              <a:t>Noten in das MIDI-Protokoll konvertieren</a:t>
+            </a:r>
+          </a:p>
+          <a:p>
+            <a:pPr lvl="1"/>
+            <a:r>
+              <a:rPr lang="de-DE" dirty="0"/>
+              <a:t>MIDI via USART Senden</a:t>
             </a:r>
           </a:p>
           <a:p>
             <a:r>
               <a:rPr lang="de-DE" dirty="0"/>
               <a:t>Verknüpfung der einzelnen Funktionen</a:t>
+            </a:r>
+          </a:p>
+          <a:p>
+            <a:r>
+              <a:rPr lang="de-DE" dirty="0"/>
+              <a:t>Reflow-Löten der Platine</a:t>
             </a:r>
           </a:p>
         </p:txBody>
@@ -4037,7 +4161,7 @@
             <a:pPr lvl="1"/>
             <a:r>
               <a:rPr lang="de-DE" sz="1800" dirty="0"/>
-              <a:t>MIDI Protokoll</a:t>
+              <a:t>MIDI-Protokoll</a:t>
             </a:r>
           </a:p>
         </p:txBody>
@@ -4290,7 +4414,36 @@
           <a:p>
             <a:r>
               <a:rPr lang="de-DE" dirty="0"/>
-              <a:t>Einleitend sagen was wer macht</a:t>
+              <a:t>Einteilung des Projekts in drei Unterkategorien</a:t>
+            </a:r>
+          </a:p>
+          <a:p>
+            <a:pPr lvl="1"/>
+            <a:r>
+              <a:rPr lang="de-DE" dirty="0"/>
+              <a:t>Analog Frontend (Daniel </a:t>
+            </a:r>
+            <a:r>
+              <a:rPr lang="de-DE" dirty="0" err="1"/>
+              <a:t>Bräumann</a:t>
+            </a:r>
+            <a:r>
+              <a:rPr lang="de-DE" dirty="0"/>
+              <a:t>)</a:t>
+            </a:r>
+          </a:p>
+          <a:p>
+            <a:pPr lvl="1"/>
+            <a:r>
+              <a:rPr lang="de-DE" dirty="0"/>
+              <a:t>Sonstiges Hardware Frontend und Firmware Development (Simon Grundner)</a:t>
+            </a:r>
+          </a:p>
+          <a:p>
+            <a:pPr lvl="1"/>
+            <a:r>
+              <a:rPr lang="de-DE" dirty="0"/>
+              <a:t>Software/Firmware Development (Laurenz Hölzl)</a:t>
             </a:r>
           </a:p>
           <a:p>
@@ -4356,34 +4509,50 @@
           <a:lstStyle/>
           <a:p>
             <a:r>
+              <a:rPr lang="en-GB" dirty="0"/>
+              <a:t>Analog Frontend</a:t>
+            </a:r>
+            <a:endParaRPr lang="de-DE" dirty="0"/>
+          </a:p>
+        </p:txBody>
+      </p:sp>
+      <p:sp>
+        <p:nvSpPr>
+          <p:cNvPr id="3" name="Inhaltsplatzhalter 2">
+            <a:extLst>
+              <a:ext uri="{FF2B5EF4-FFF2-40B4-BE49-F238E27FC236}">
+                <a16:creationId xmlns:a16="http://schemas.microsoft.com/office/drawing/2014/main" id="{11209FAA-A35B-FE94-7151-FB13CEECB972}"/>
+              </a:ext>
+            </a:extLst>
+          </p:cNvPr>
+          <p:cNvSpPr>
+            <a:spLocks noGrp="1"/>
+          </p:cNvSpPr>
+          <p:nvPr>
+            <p:ph idx="1"/>
+          </p:nvPr>
+        </p:nvSpPr>
+        <p:spPr/>
+        <p:txBody>
+          <a:bodyPr/>
+          <a:lstStyle/>
+          <a:p>
+            <a:r>
               <a:rPr lang="de-DE" dirty="0"/>
-              <a:t>Daniel Bräumann</a:t>
-            </a:r>
-          </a:p>
-        </p:txBody>
-      </p:sp>
-      <p:sp>
-        <p:nvSpPr>
-          <p:cNvPr id="3" name="Inhaltsplatzhalter 2">
-            <a:extLst>
-              <a:ext uri="{FF2B5EF4-FFF2-40B4-BE49-F238E27FC236}">
-                <a16:creationId xmlns:a16="http://schemas.microsoft.com/office/drawing/2014/main" id="{11209FAA-A35B-FE94-7151-FB13CEECB972}"/>
-              </a:ext>
-            </a:extLst>
-          </p:cNvPr>
-          <p:cNvSpPr>
-            <a:spLocks noGrp="1"/>
-          </p:cNvSpPr>
-          <p:nvPr>
-            <p:ph idx="1"/>
-          </p:nvPr>
-        </p:nvSpPr>
-        <p:spPr/>
-        <p:txBody>
-          <a:bodyPr/>
-          <a:lstStyle/>
-          <a:p>
-            <a:endParaRPr lang="de-DE" dirty="0"/>
+              <a:t>AFE: Filterstufe mit Verstärkung</a:t>
+            </a:r>
+          </a:p>
+          <a:p>
+            <a:r>
+              <a:rPr lang="de-DE" dirty="0"/>
+              <a:t>Eingangssignal Wertebereich</a:t>
+            </a:r>
+          </a:p>
+          <a:p>
+            <a:r>
+              <a:rPr lang="de-DE" dirty="0"/>
+              <a:t>Ausgangssignal Wertebereich</a:t>
+            </a:r>
           </a:p>
         </p:txBody>
       </p:sp>
@@ -4422,7 +4591,7 @@
           <p:cNvPr id="2" name="Titel 1">
             <a:extLst>
               <a:ext uri="{FF2B5EF4-FFF2-40B4-BE49-F238E27FC236}">
-                <a16:creationId xmlns:a16="http://schemas.microsoft.com/office/drawing/2014/main" id="{846200A3-79E1-73E4-D03E-2BC56E26B5F3}"/>
+                <a16:creationId xmlns:a16="http://schemas.microsoft.com/office/drawing/2014/main" id="{4623C6F5-427C-8764-F204-382913D1894B}"/>
               </a:ext>
             </a:extLst>
           </p:cNvPr>
@@ -4440,7 +4609,7 @@
           <a:p>
             <a:r>
               <a:rPr lang="de-DE" dirty="0"/>
-              <a:t>Simon Grundner</a:t>
+              <a:t>Tiefpass Filter</a:t>
             </a:r>
           </a:p>
         </p:txBody>
@@ -4450,7 +4619,7 @@
           <p:cNvPr id="3" name="Inhaltsplatzhalter 2">
             <a:extLst>
               <a:ext uri="{FF2B5EF4-FFF2-40B4-BE49-F238E27FC236}">
-                <a16:creationId xmlns:a16="http://schemas.microsoft.com/office/drawing/2014/main" id="{EF443E31-2255-A246-7D17-057C2F425B1F}"/>
+                <a16:creationId xmlns:a16="http://schemas.microsoft.com/office/drawing/2014/main" id="{9C29242C-0B2A-4C64-2B83-EFBD673D1122}"/>
               </a:ext>
             </a:extLst>
           </p:cNvPr>
@@ -4466,14 +4635,70 @@
           <a:bodyPr/>
           <a:lstStyle/>
           <a:p>
-            <a:endParaRPr lang="de-DE"/>
+            <a:r>
+              <a:rPr lang="de-DE" dirty="0"/>
+              <a:t>Einkopplung des Audios auf 3V3</a:t>
+            </a:r>
+          </a:p>
+          <a:p>
+            <a:r>
+              <a:rPr lang="de-DE" dirty="0"/>
+              <a:t>Filter: Single Supply </a:t>
+            </a:r>
+            <a:r>
+              <a:rPr lang="de-DE" dirty="0" err="1"/>
+              <a:t>Sallen</a:t>
+            </a:r>
+            <a:r>
+              <a:rPr lang="de-DE" dirty="0"/>
+              <a:t>-Key, Butterworth Charakteristik</a:t>
+            </a:r>
+          </a:p>
+          <a:p>
+            <a:r>
+              <a:rPr lang="de-DE" dirty="0"/>
+              <a:t>Nichtinvertierender Verstärker mit Einkopplung für Single </a:t>
+            </a:r>
+            <a:r>
+              <a:rPr lang="de-DE" dirty="0" err="1"/>
+              <a:t>supply</a:t>
+            </a:r>
+            <a:r>
+              <a:rPr lang="de-DE" dirty="0"/>
+              <a:t> betrieb</a:t>
+            </a:r>
+          </a:p>
+          <a:p>
+            <a:r>
+              <a:rPr lang="de-DE" dirty="0" err="1"/>
+              <a:t>Cutoff</a:t>
+            </a:r>
+            <a:r>
+              <a:rPr lang="de-DE" dirty="0"/>
+              <a:t> bei A6</a:t>
+            </a:r>
+          </a:p>
+          <a:p>
+            <a:endParaRPr lang="de-DE" dirty="0"/>
+          </a:p>
+          <a:p>
+            <a:pPr marL="0" indent="0">
+              <a:buNone/>
+            </a:pPr>
+            <a:r>
+              <a:rPr lang="de-DE" dirty="0"/>
+              <a:t>(grob zusammengefasst noch ausschmücken)</a:t>
+            </a:r>
+          </a:p>
+          <a:p>
+            <a:endParaRPr lang="de-DE" dirty="0"/>
           </a:p>
         </p:txBody>
       </p:sp>
     </p:spTree>
     <p:extLst>
       <p:ext uri="{BB962C8B-B14F-4D97-AF65-F5344CB8AC3E}">
-        <p14:creationId xmlns:p14="http://schemas.microsoft.com/office/powerpoint/2010/main" val="3938122586"/>
+        <p14:creationId xmlns:p14="http://schemas.microsoft.com/office/powerpoint/2010/main" val="2048277748"/>
       </p:ext>
     </p:extLst>
   </p:cSld>
@@ -4505,7 +4730,7 @@
           <p:cNvPr id="2" name="Titel 1">
             <a:extLst>
               <a:ext uri="{FF2B5EF4-FFF2-40B4-BE49-F238E27FC236}">
-                <a16:creationId xmlns:a16="http://schemas.microsoft.com/office/drawing/2014/main" id="{62A5A9BE-19D0-CF35-0886-8F07C71B16C6}"/>
+                <a16:creationId xmlns:a16="http://schemas.microsoft.com/office/drawing/2014/main" id="{846200A3-79E1-73E4-D03E-2BC56E26B5F3}"/>
               </a:ext>
             </a:extLst>
           </p:cNvPr>
@@ -4523,7 +4748,7 @@
           <a:p>
             <a:r>
               <a:rPr lang="de-DE" dirty="0"/>
-              <a:t>Laurenz Hölzl</a:t>
+              <a:t>Hardware Frontend</a:t>
             </a:r>
           </a:p>
         </p:txBody>
@@ -4533,7 +4758,7 @@
           <p:cNvPr id="3" name="Inhaltsplatzhalter 2">
             <a:extLst>
               <a:ext uri="{FF2B5EF4-FFF2-40B4-BE49-F238E27FC236}">
-                <a16:creationId xmlns:a16="http://schemas.microsoft.com/office/drawing/2014/main" id="{7718E23C-FCAE-369C-71E9-81F1D2862608}"/>
+                <a16:creationId xmlns:a16="http://schemas.microsoft.com/office/drawing/2014/main" id="{EF443E31-2255-A246-7D17-057C2F425B1F}"/>
               </a:ext>
             </a:extLst>
           </p:cNvPr>
@@ -4549,14 +4774,58 @@
           <a:bodyPr/>
           <a:lstStyle/>
           <a:p>
-            <a:endParaRPr lang="de-DE"/>
+            <a:r>
+              <a:rPr lang="de-DE" dirty="0"/>
+              <a:t>Schaltplan</a:t>
+            </a:r>
+            <a:r>
+              <a:rPr lang="en-GB" dirty="0"/>
+              <a:t> </a:t>
+            </a:r>
+            <a:r>
+              <a:rPr lang="en-GB" dirty="0" err="1"/>
+              <a:t>entwerfen</a:t>
+            </a:r>
+            <a:endParaRPr lang="en-GB" dirty="0"/>
+          </a:p>
+          <a:p>
+            <a:r>
+              <a:rPr lang="en-GB" dirty="0"/>
+              <a:t>Board Layout </a:t>
+            </a:r>
+            <a:r>
+              <a:rPr lang="en-GB" dirty="0" err="1"/>
+              <a:t>designen</a:t>
+            </a:r>
+            <a:endParaRPr lang="en-GB" dirty="0"/>
+          </a:p>
+          <a:p>
+            <a:r>
+              <a:rPr lang="de-DE" dirty="0"/>
+              <a:t>Logo und Mediendesign</a:t>
+            </a:r>
+          </a:p>
+          <a:p>
+            <a:endParaRPr lang="de-DE" dirty="0"/>
+          </a:p>
+          <a:p>
+            <a:r>
+              <a:rPr lang="de-DE" dirty="0"/>
+              <a:t>Ergebnis des DSP in MIDI konvertieren</a:t>
+            </a:r>
+          </a:p>
+          <a:p>
+            <a:r>
+              <a:rPr lang="de-DE" dirty="0"/>
+              <a:t>MIDI über USART senden</a:t>
+            </a:r>
           </a:p>
         </p:txBody>
       </p:sp>
     </p:spTree>
     <p:extLst>
       <p:ext uri="{BB962C8B-B14F-4D97-AF65-F5344CB8AC3E}">
-        <p14:creationId xmlns:p14="http://schemas.microsoft.com/office/powerpoint/2010/main" val="1594820230"/>
+        <p14:creationId xmlns:p14="http://schemas.microsoft.com/office/powerpoint/2010/main" val="3938122586"/>
       </p:ext>
     </p:extLst>
   </p:cSld>
